--- a/instruction.pptx
+++ b/instruction.pptx
@@ -277,7 +277,7 @@
           <a:p>
             <a:fld id="{F69BAC74-E2E4-4885-9138-5FBB4BAFB2B9}" type="datetimeFigureOut">
               <a:rPr lang="en-GB" smtClean="0"/>
-              <a:t>28/11/2024</a:t>
+              <a:t>06/12/2024</a:t>
             </a:fld>
             <a:endParaRPr lang="en-GB"/>
           </a:p>
@@ -447,7 +447,7 @@
           <a:p>
             <a:fld id="{F69BAC74-E2E4-4885-9138-5FBB4BAFB2B9}" type="datetimeFigureOut">
               <a:rPr lang="en-GB" smtClean="0"/>
-              <a:t>28/11/2024</a:t>
+              <a:t>06/12/2024</a:t>
             </a:fld>
             <a:endParaRPr lang="en-GB"/>
           </a:p>
@@ -627,7 +627,7 @@
           <a:p>
             <a:fld id="{F69BAC74-E2E4-4885-9138-5FBB4BAFB2B9}" type="datetimeFigureOut">
               <a:rPr lang="en-GB" smtClean="0"/>
-              <a:t>28/11/2024</a:t>
+              <a:t>06/12/2024</a:t>
             </a:fld>
             <a:endParaRPr lang="en-GB"/>
           </a:p>
@@ -797,7 +797,7 @@
           <a:p>
             <a:fld id="{F69BAC74-E2E4-4885-9138-5FBB4BAFB2B9}" type="datetimeFigureOut">
               <a:rPr lang="en-GB" smtClean="0"/>
-              <a:t>28/11/2024</a:t>
+              <a:t>06/12/2024</a:t>
             </a:fld>
             <a:endParaRPr lang="en-GB"/>
           </a:p>
@@ -1043,7 +1043,7 @@
           <a:p>
             <a:fld id="{F69BAC74-E2E4-4885-9138-5FBB4BAFB2B9}" type="datetimeFigureOut">
               <a:rPr lang="en-GB" smtClean="0"/>
-              <a:t>28/11/2024</a:t>
+              <a:t>06/12/2024</a:t>
             </a:fld>
             <a:endParaRPr lang="en-GB"/>
           </a:p>
@@ -1275,7 +1275,7 @@
           <a:p>
             <a:fld id="{F69BAC74-E2E4-4885-9138-5FBB4BAFB2B9}" type="datetimeFigureOut">
               <a:rPr lang="en-GB" smtClean="0"/>
-              <a:t>28/11/2024</a:t>
+              <a:t>06/12/2024</a:t>
             </a:fld>
             <a:endParaRPr lang="en-GB"/>
           </a:p>
@@ -1642,7 +1642,7 @@
           <a:p>
             <a:fld id="{F69BAC74-E2E4-4885-9138-5FBB4BAFB2B9}" type="datetimeFigureOut">
               <a:rPr lang="en-GB" smtClean="0"/>
-              <a:t>28/11/2024</a:t>
+              <a:t>06/12/2024</a:t>
             </a:fld>
             <a:endParaRPr lang="en-GB"/>
           </a:p>
@@ -1760,7 +1760,7 @@
           <a:p>
             <a:fld id="{F69BAC74-E2E4-4885-9138-5FBB4BAFB2B9}" type="datetimeFigureOut">
               <a:rPr lang="en-GB" smtClean="0"/>
-              <a:t>28/11/2024</a:t>
+              <a:t>06/12/2024</a:t>
             </a:fld>
             <a:endParaRPr lang="en-GB"/>
           </a:p>
@@ -1855,7 +1855,7 @@
           <a:p>
             <a:fld id="{F69BAC74-E2E4-4885-9138-5FBB4BAFB2B9}" type="datetimeFigureOut">
               <a:rPr lang="en-GB" smtClean="0"/>
-              <a:t>28/11/2024</a:t>
+              <a:t>06/12/2024</a:t>
             </a:fld>
             <a:endParaRPr lang="en-GB"/>
           </a:p>
@@ -2132,7 +2132,7 @@
           <a:p>
             <a:fld id="{F69BAC74-E2E4-4885-9138-5FBB4BAFB2B9}" type="datetimeFigureOut">
               <a:rPr lang="en-GB" smtClean="0"/>
-              <a:t>28/11/2024</a:t>
+              <a:t>06/12/2024</a:t>
             </a:fld>
             <a:endParaRPr lang="en-GB"/>
           </a:p>
@@ -2389,7 +2389,7 @@
           <a:p>
             <a:fld id="{F69BAC74-E2E4-4885-9138-5FBB4BAFB2B9}" type="datetimeFigureOut">
               <a:rPr lang="en-GB" smtClean="0"/>
-              <a:t>28/11/2024</a:t>
+              <a:t>06/12/2024</a:t>
             </a:fld>
             <a:endParaRPr lang="en-GB"/>
           </a:p>
@@ -2602,7 +2602,7 @@
           <a:p>
             <a:fld id="{F69BAC74-E2E4-4885-9138-5FBB4BAFB2B9}" type="datetimeFigureOut">
               <a:rPr lang="en-GB" smtClean="0"/>
-              <a:t>28/11/2024</a:t>
+              <a:t>06/12/2024</a:t>
             </a:fld>
             <a:endParaRPr lang="en-GB"/>
           </a:p>
@@ -3057,7 +3057,7 @@
         </p:nvGrpSpPr>
         <p:grpSpPr>
           <a:xfrm>
-            <a:off x="-2205038" y="106656"/>
+            <a:off x="-1717890" y="130300"/>
             <a:ext cx="1231348" cy="2773069"/>
             <a:chOff x="0" y="133350"/>
             <a:chExt cx="3137556" cy="7065963"/>

--- a/instruction.pptx
+++ b/instruction.pptx
@@ -6,11 +6,12 @@
   </p:sldMasterIdLst>
   <p:sldIdLst>
     <p:sldId id="256" r:id="rId2"/>
+    <p:sldId id="257" r:id="rId3"/>
   </p:sldIdLst>
   <p:sldSz cx="2879725" cy="2879725"/>
   <p:notesSz cx="6858000" cy="9144000"/>
   <p:custDataLst>
-    <p:tags r:id="rId3"/>
+    <p:tags r:id="rId4"/>
   </p:custDataLst>
   <p:defaultTextStyle>
     <a:defPPr>
@@ -3057,7 +3058,7 @@
         </p:nvGrpSpPr>
         <p:grpSpPr>
           <a:xfrm>
-            <a:off x="-1717890" y="130300"/>
+            <a:off x="-1606085" y="130300"/>
             <a:ext cx="1231348" cy="2773069"/>
             <a:chOff x="0" y="133350"/>
             <a:chExt cx="3137556" cy="7065963"/>
@@ -3208,6 +3209,127 @@
     <p:extLst>
       <p:ext uri="{BB962C8B-B14F-4D97-AF65-F5344CB8AC3E}">
         <p14:creationId xmlns:p14="http://schemas.microsoft.com/office/powerpoint/2010/main" val="2569251603"/>
+      </p:ext>
+    </p:extLst>
+  </p:cSld>
+  <p:clrMapOvr>
+    <a:masterClrMapping/>
+  </p:clrMapOvr>
+</p:sld>
+</file>
+
+<file path=ppt/slides/slide2.xml><?xml version="1.0" encoding="utf-8"?>
+<p:sld xmlns:a="http://schemas.openxmlformats.org/drawingml/2006/main" xmlns:r="http://schemas.openxmlformats.org/officeDocument/2006/relationships" xmlns:p="http://schemas.openxmlformats.org/presentationml/2006/main">
+  <p:cSld>
+    <p:spTree>
+      <p:nvGrpSpPr>
+        <p:cNvPr id="1" name=""/>
+        <p:cNvGrpSpPr/>
+        <p:nvPr/>
+      </p:nvGrpSpPr>
+      <p:grpSpPr>
+        <a:xfrm>
+          <a:off x="0" y="0"/>
+          <a:ext cx="0" cy="0"/>
+          <a:chOff x="0" y="0"/>
+          <a:chExt cx="0" cy="0"/>
+        </a:xfrm>
+      </p:grpSpPr>
+      <p:grpSp>
+        <p:nvGrpSpPr>
+          <p:cNvPr id="8" name="组合 7">
+            <a:extLst>
+              <a:ext uri="{FF2B5EF4-FFF2-40B4-BE49-F238E27FC236}">
+                <a16:creationId xmlns:a16="http://schemas.microsoft.com/office/drawing/2014/main" id="{EDCAC7A9-E930-1222-4116-7F6306255760}"/>
+              </a:ext>
+            </a:extLst>
+          </p:cNvPr>
+          <p:cNvGrpSpPr/>
+          <p:nvPr/>
+        </p:nvGrpSpPr>
+        <p:grpSpPr>
+          <a:xfrm>
+            <a:off x="-1606085" y="130300"/>
+            <a:ext cx="1231348" cy="2773069"/>
+            <a:chOff x="0" y="133350"/>
+            <a:chExt cx="3137556" cy="7065963"/>
+          </a:xfrm>
+        </p:grpSpPr>
+        <p:pic>
+          <p:nvPicPr>
+            <p:cNvPr id="9" name="图片 8">
+              <a:extLst>
+                <a:ext uri="{FF2B5EF4-FFF2-40B4-BE49-F238E27FC236}">
+                  <a16:creationId xmlns:a16="http://schemas.microsoft.com/office/drawing/2014/main" id="{10D6618B-8C74-6A3A-0917-897DCCFC6C07}"/>
+                </a:ext>
+              </a:extLst>
+            </p:cNvPr>
+            <p:cNvPicPr>
+              <a:picLocks noChangeAspect="1"/>
+            </p:cNvPicPr>
+            <p:nvPr/>
+          </p:nvPicPr>
+          <p:blipFill>
+            <a:blip r:embed="rId2">
+              <a:extLst>
+                <a:ext uri="{28A0092B-C50C-407E-A947-70E740481C1C}">
+                  <a14:useLocalDpi xmlns:a14="http://schemas.microsoft.com/office/drawing/2010/main" val="0"/>
+                </a:ext>
+              </a:extLst>
+            </a:blip>
+            <a:srcRect l="1074" r="54723"/>
+            <a:stretch/>
+          </p:blipFill>
+          <p:spPr>
+            <a:xfrm>
+              <a:off x="0" y="133350"/>
+              <a:ext cx="3137556" cy="3992659"/>
+            </a:xfrm>
+            <a:prstGeom prst="rect">
+              <a:avLst/>
+            </a:prstGeom>
+          </p:spPr>
+        </p:pic>
+        <p:pic>
+          <p:nvPicPr>
+            <p:cNvPr id="10" name="图片 9" descr="图示&#10;&#10;描述已自动生成">
+              <a:extLst>
+                <a:ext uri="{FF2B5EF4-FFF2-40B4-BE49-F238E27FC236}">
+                  <a16:creationId xmlns:a16="http://schemas.microsoft.com/office/drawing/2014/main" id="{136B1DCD-EDFA-1988-CEC9-05A7EA47CD6F}"/>
+                </a:ext>
+              </a:extLst>
+            </p:cNvPr>
+            <p:cNvPicPr>
+              <a:picLocks noChangeAspect="1"/>
+            </p:cNvPicPr>
+            <p:nvPr/>
+          </p:nvPicPr>
+          <p:blipFill>
+            <a:blip r:embed="rId3">
+              <a:extLst>
+                <a:ext uri="{28A0092B-C50C-407E-A947-70E740481C1C}">
+                  <a14:useLocalDpi xmlns:a14="http://schemas.microsoft.com/office/drawing/2010/main" val="0"/>
+                </a:ext>
+              </a:extLst>
+            </a:blip>
+            <a:srcRect l="1074" t="7716" r="54723"/>
+            <a:stretch/>
+          </p:blipFill>
+          <p:spPr>
+            <a:xfrm>
+              <a:off x="0" y="3514725"/>
+              <a:ext cx="3137556" cy="3684588"/>
+            </a:xfrm>
+            <a:prstGeom prst="rect">
+              <a:avLst/>
+            </a:prstGeom>
+          </p:spPr>
+        </p:pic>
+      </p:grpSp>
+    </p:spTree>
+    <p:extLst>
+      <p:ext uri="{BB962C8B-B14F-4D97-AF65-F5344CB8AC3E}">
+        <p14:creationId xmlns:p14="http://schemas.microsoft.com/office/powerpoint/2010/main" val="2317835053"/>
       </p:ext>
     </p:extLst>
   </p:cSld>
